--- a/ppt 16-9/0662.与主同活.pptx
+++ b/ppt 16-9/0662.与主同活.pptx
@@ -5,7 +5,7 @@
     <p:sldMasterId id="2147483648" r:id="rId1"/>
   </p:sldMasterIdLst>
   <p:sldIdLst>
-    <p:sldId id="2465" r:id="rId2"/>
+    <p:sldId id="2466" r:id="rId2"/>
   </p:sldIdLst>
   <p:sldSz cx="12192000" cy="6858000"/>
   <p:notesSz cx="6858000" cy="9144000"/>
@@ -129,7 +129,7 @@
           <p:cNvPr id="2" name="标题 1">
             <a:extLst>
               <a:ext uri="{FF2B5EF4-FFF2-40B4-BE49-F238E27FC236}">
-                <a16:creationId xmlns:a16="http://schemas.microsoft.com/office/drawing/2014/main" id="{0D2E3EB8-495F-AA31-6FBC-28DBFBC03F6F}"/>
+                <a16:creationId xmlns:a16="http://schemas.microsoft.com/office/drawing/2014/main" id="{ED0944DB-4AC3-C7ED-099D-E012886DAB79}"/>
               </a:ext>
             </a:extLst>
           </p:cNvPr>
@@ -166,7 +166,7 @@
           <p:cNvPr id="3" name="副标题 2">
             <a:extLst>
               <a:ext uri="{FF2B5EF4-FFF2-40B4-BE49-F238E27FC236}">
-                <a16:creationId xmlns:a16="http://schemas.microsoft.com/office/drawing/2014/main" id="{6D26BFFA-94F9-4C46-C572-C0093966668C}"/>
+                <a16:creationId xmlns:a16="http://schemas.microsoft.com/office/drawing/2014/main" id="{EA83197E-AAEA-AD4F-6BD1-160072ABD584}"/>
               </a:ext>
             </a:extLst>
           </p:cNvPr>
@@ -236,7 +236,7 @@
           <p:cNvPr id="4" name="日期占位符 3">
             <a:extLst>
               <a:ext uri="{FF2B5EF4-FFF2-40B4-BE49-F238E27FC236}">
-                <a16:creationId xmlns:a16="http://schemas.microsoft.com/office/drawing/2014/main" id="{E0CF27EE-52B6-9FF3-EE8C-9055767E20EF}"/>
+                <a16:creationId xmlns:a16="http://schemas.microsoft.com/office/drawing/2014/main" id="{0598F039-A95B-30E7-DD80-7594CC2525B6}"/>
               </a:ext>
             </a:extLst>
           </p:cNvPr>
@@ -252,7 +252,7 @@
           <a:bodyPr/>
           <a:lstStyle/>
           <a:p>
-            <a:fld id="{D11D04DE-3B78-4124-9B9A-63A08BBA7B45}" type="datetimeFigureOut">
+            <a:fld id="{F16FCB4B-097A-4C3F-BDB4-CE2E8AF3EA13}" type="datetimeFigureOut">
               <a:rPr lang="zh-CN" altLang="en-US" smtClean="0"/>
               <a:t>2024/3/10</a:t>
             </a:fld>
@@ -265,7 +265,7 @@
           <p:cNvPr id="5" name="页脚占位符 4">
             <a:extLst>
               <a:ext uri="{FF2B5EF4-FFF2-40B4-BE49-F238E27FC236}">
-                <a16:creationId xmlns:a16="http://schemas.microsoft.com/office/drawing/2014/main" id="{291A856B-8234-7263-2600-053A46AB00B1}"/>
+                <a16:creationId xmlns:a16="http://schemas.microsoft.com/office/drawing/2014/main" id="{97AFBAC4-8BDA-88CE-6FF7-46A602F1733C}"/>
               </a:ext>
             </a:extLst>
           </p:cNvPr>
@@ -290,7 +290,7 @@
           <p:cNvPr id="6" name="灯片编号占位符 5">
             <a:extLst>
               <a:ext uri="{FF2B5EF4-FFF2-40B4-BE49-F238E27FC236}">
-                <a16:creationId xmlns:a16="http://schemas.microsoft.com/office/drawing/2014/main" id="{650DD36F-790F-2858-9ACC-E87A9113C735}"/>
+                <a16:creationId xmlns:a16="http://schemas.microsoft.com/office/drawing/2014/main" id="{AA4806B3-14C1-01FA-1F0B-50A06DEEF394}"/>
               </a:ext>
             </a:extLst>
           </p:cNvPr>
@@ -306,7 +306,7 @@
           <a:bodyPr/>
           <a:lstStyle/>
           <a:p>
-            <a:fld id="{643C47BA-8ED5-498A-9F0D-E81A97881E47}" type="slidenum">
+            <a:fld id="{797D00EF-4F1C-4795-83B3-83D03AAA4CA0}" type="slidenum">
               <a:rPr lang="zh-CN" altLang="en-US" smtClean="0"/>
               <a:t>‹#›</a:t>
             </a:fld>
@@ -317,7 +317,7 @@
     </p:spTree>
     <p:extLst>
       <p:ext uri="{BB962C8B-B14F-4D97-AF65-F5344CB8AC3E}">
-        <p14:creationId xmlns:p14="http://schemas.microsoft.com/office/powerpoint/2010/main" val="2611939151"/>
+        <p14:creationId xmlns:p14="http://schemas.microsoft.com/office/powerpoint/2010/main" val="4067593178"/>
       </p:ext>
     </p:extLst>
   </p:cSld>
@@ -349,7 +349,7 @@
           <p:cNvPr id="2" name="标题 1">
             <a:extLst>
               <a:ext uri="{FF2B5EF4-FFF2-40B4-BE49-F238E27FC236}">
-                <a16:creationId xmlns:a16="http://schemas.microsoft.com/office/drawing/2014/main" id="{95F4D524-26EF-E06A-0E1B-CD3BF96EA355}"/>
+                <a16:creationId xmlns:a16="http://schemas.microsoft.com/office/drawing/2014/main" id="{1D56065B-7978-6171-8795-4E3AC20EFBC1}"/>
               </a:ext>
             </a:extLst>
           </p:cNvPr>
@@ -377,7 +377,7 @@
           <p:cNvPr id="3" name="竖排文字占位符 2">
             <a:extLst>
               <a:ext uri="{FF2B5EF4-FFF2-40B4-BE49-F238E27FC236}">
-                <a16:creationId xmlns:a16="http://schemas.microsoft.com/office/drawing/2014/main" id="{4D340E98-D873-DAB1-D912-977D031D72A1}"/>
+                <a16:creationId xmlns:a16="http://schemas.microsoft.com/office/drawing/2014/main" id="{276C065D-5304-9441-3EE0-DA8DE16B010E}"/>
               </a:ext>
             </a:extLst>
           </p:cNvPr>
@@ -434,7 +434,7 @@
           <p:cNvPr id="4" name="日期占位符 3">
             <a:extLst>
               <a:ext uri="{FF2B5EF4-FFF2-40B4-BE49-F238E27FC236}">
-                <a16:creationId xmlns:a16="http://schemas.microsoft.com/office/drawing/2014/main" id="{8D4E9264-59A9-AE86-F31A-3A61ADE434FB}"/>
+                <a16:creationId xmlns:a16="http://schemas.microsoft.com/office/drawing/2014/main" id="{498F301C-B6C8-EDED-0A43-03EACCB211C7}"/>
               </a:ext>
             </a:extLst>
           </p:cNvPr>
@@ -450,7 +450,7 @@
           <a:bodyPr/>
           <a:lstStyle/>
           <a:p>
-            <a:fld id="{D11D04DE-3B78-4124-9B9A-63A08BBA7B45}" type="datetimeFigureOut">
+            <a:fld id="{F16FCB4B-097A-4C3F-BDB4-CE2E8AF3EA13}" type="datetimeFigureOut">
               <a:rPr lang="zh-CN" altLang="en-US" smtClean="0"/>
               <a:t>2024/3/10</a:t>
             </a:fld>
@@ -463,7 +463,7 @@
           <p:cNvPr id="5" name="页脚占位符 4">
             <a:extLst>
               <a:ext uri="{FF2B5EF4-FFF2-40B4-BE49-F238E27FC236}">
-                <a16:creationId xmlns:a16="http://schemas.microsoft.com/office/drawing/2014/main" id="{09E70B9C-A199-800C-58BD-2F622E4173DB}"/>
+                <a16:creationId xmlns:a16="http://schemas.microsoft.com/office/drawing/2014/main" id="{0FF0A11C-66B9-F695-F7B8-19E7149E8787}"/>
               </a:ext>
             </a:extLst>
           </p:cNvPr>
@@ -488,7 +488,7 @@
           <p:cNvPr id="6" name="灯片编号占位符 5">
             <a:extLst>
               <a:ext uri="{FF2B5EF4-FFF2-40B4-BE49-F238E27FC236}">
-                <a16:creationId xmlns:a16="http://schemas.microsoft.com/office/drawing/2014/main" id="{8D61308E-1264-1854-7C14-609E11049C20}"/>
+                <a16:creationId xmlns:a16="http://schemas.microsoft.com/office/drawing/2014/main" id="{319EEAF5-0F5E-96D3-1BF5-42046CFCFC96}"/>
               </a:ext>
             </a:extLst>
           </p:cNvPr>
@@ -504,7 +504,7 @@
           <a:bodyPr/>
           <a:lstStyle/>
           <a:p>
-            <a:fld id="{643C47BA-8ED5-498A-9F0D-E81A97881E47}" type="slidenum">
+            <a:fld id="{797D00EF-4F1C-4795-83B3-83D03AAA4CA0}" type="slidenum">
               <a:rPr lang="zh-CN" altLang="en-US" smtClean="0"/>
               <a:t>‹#›</a:t>
             </a:fld>
@@ -515,7 +515,7 @@
     </p:spTree>
     <p:extLst>
       <p:ext uri="{BB962C8B-B14F-4D97-AF65-F5344CB8AC3E}">
-        <p14:creationId xmlns:p14="http://schemas.microsoft.com/office/powerpoint/2010/main" val="2312634379"/>
+        <p14:creationId xmlns:p14="http://schemas.microsoft.com/office/powerpoint/2010/main" val="996875803"/>
       </p:ext>
     </p:extLst>
   </p:cSld>
@@ -547,7 +547,7 @@
           <p:cNvPr id="2" name="竖排标题 1">
             <a:extLst>
               <a:ext uri="{FF2B5EF4-FFF2-40B4-BE49-F238E27FC236}">
-                <a16:creationId xmlns:a16="http://schemas.microsoft.com/office/drawing/2014/main" id="{865AE10E-7A3A-887C-0EC6-0ED886AA336C}"/>
+                <a16:creationId xmlns:a16="http://schemas.microsoft.com/office/drawing/2014/main" id="{EEF61258-0649-AEE1-FDB5-77652C33D124}"/>
               </a:ext>
             </a:extLst>
           </p:cNvPr>
@@ -580,7 +580,7 @@
           <p:cNvPr id="3" name="竖排文字占位符 2">
             <a:extLst>
               <a:ext uri="{FF2B5EF4-FFF2-40B4-BE49-F238E27FC236}">
-                <a16:creationId xmlns:a16="http://schemas.microsoft.com/office/drawing/2014/main" id="{26A0F839-CBC7-8184-8FEF-1BE26545EA4E}"/>
+                <a16:creationId xmlns:a16="http://schemas.microsoft.com/office/drawing/2014/main" id="{6600CEA6-DB35-E989-2393-B35860D6FDBD}"/>
               </a:ext>
             </a:extLst>
           </p:cNvPr>
@@ -642,7 +642,7 @@
           <p:cNvPr id="4" name="日期占位符 3">
             <a:extLst>
               <a:ext uri="{FF2B5EF4-FFF2-40B4-BE49-F238E27FC236}">
-                <a16:creationId xmlns:a16="http://schemas.microsoft.com/office/drawing/2014/main" id="{B7ECECE5-4284-98DE-E7D4-A74155926585}"/>
+                <a16:creationId xmlns:a16="http://schemas.microsoft.com/office/drawing/2014/main" id="{DBAB0F56-2959-B3AF-1AB2-4EE9BE694E40}"/>
               </a:ext>
             </a:extLst>
           </p:cNvPr>
@@ -658,7 +658,7 @@
           <a:bodyPr/>
           <a:lstStyle/>
           <a:p>
-            <a:fld id="{D11D04DE-3B78-4124-9B9A-63A08BBA7B45}" type="datetimeFigureOut">
+            <a:fld id="{F16FCB4B-097A-4C3F-BDB4-CE2E8AF3EA13}" type="datetimeFigureOut">
               <a:rPr lang="zh-CN" altLang="en-US" smtClean="0"/>
               <a:t>2024/3/10</a:t>
             </a:fld>
@@ -671,7 +671,7 @@
           <p:cNvPr id="5" name="页脚占位符 4">
             <a:extLst>
               <a:ext uri="{FF2B5EF4-FFF2-40B4-BE49-F238E27FC236}">
-                <a16:creationId xmlns:a16="http://schemas.microsoft.com/office/drawing/2014/main" id="{0079D4D8-7867-1A2C-BDB9-535FC0F5B561}"/>
+                <a16:creationId xmlns:a16="http://schemas.microsoft.com/office/drawing/2014/main" id="{9CA74758-D48D-A3C0-01A3-0C44C298E3A1}"/>
               </a:ext>
             </a:extLst>
           </p:cNvPr>
@@ -696,7 +696,7 @@
           <p:cNvPr id="6" name="灯片编号占位符 5">
             <a:extLst>
               <a:ext uri="{FF2B5EF4-FFF2-40B4-BE49-F238E27FC236}">
-                <a16:creationId xmlns:a16="http://schemas.microsoft.com/office/drawing/2014/main" id="{6D9BA828-6CB6-53B8-220A-29ED02D279B8}"/>
+                <a16:creationId xmlns:a16="http://schemas.microsoft.com/office/drawing/2014/main" id="{49520A6B-DF90-7D7E-AE98-C2632DCA6A2F}"/>
               </a:ext>
             </a:extLst>
           </p:cNvPr>
@@ -712,7 +712,7 @@
           <a:bodyPr/>
           <a:lstStyle/>
           <a:p>
-            <a:fld id="{643C47BA-8ED5-498A-9F0D-E81A97881E47}" type="slidenum">
+            <a:fld id="{797D00EF-4F1C-4795-83B3-83D03AAA4CA0}" type="slidenum">
               <a:rPr lang="zh-CN" altLang="en-US" smtClean="0"/>
               <a:t>‹#›</a:t>
             </a:fld>
@@ -723,7 +723,7 @@
     </p:spTree>
     <p:extLst>
       <p:ext uri="{BB962C8B-B14F-4D97-AF65-F5344CB8AC3E}">
-        <p14:creationId xmlns:p14="http://schemas.microsoft.com/office/powerpoint/2010/main" val="3525823976"/>
+        <p14:creationId xmlns:p14="http://schemas.microsoft.com/office/powerpoint/2010/main" val="3933592382"/>
       </p:ext>
     </p:extLst>
   </p:cSld>
@@ -755,7 +755,7 @@
           <p:cNvPr id="2" name="标题 1">
             <a:extLst>
               <a:ext uri="{FF2B5EF4-FFF2-40B4-BE49-F238E27FC236}">
-                <a16:creationId xmlns:a16="http://schemas.microsoft.com/office/drawing/2014/main" id="{7222A626-8863-58A7-CAD0-7ADF2490177A}"/>
+                <a16:creationId xmlns:a16="http://schemas.microsoft.com/office/drawing/2014/main" id="{EC4C0200-2A1D-710C-AC8B-1F0638896B0A}"/>
               </a:ext>
             </a:extLst>
           </p:cNvPr>
@@ -783,7 +783,7 @@
           <p:cNvPr id="3" name="内容占位符 2">
             <a:extLst>
               <a:ext uri="{FF2B5EF4-FFF2-40B4-BE49-F238E27FC236}">
-                <a16:creationId xmlns:a16="http://schemas.microsoft.com/office/drawing/2014/main" id="{23FE36FA-A427-373A-B329-CFC8038B3B52}"/>
+                <a16:creationId xmlns:a16="http://schemas.microsoft.com/office/drawing/2014/main" id="{F15AEA24-635B-DB94-E26A-DA8E69988A73}"/>
               </a:ext>
             </a:extLst>
           </p:cNvPr>
@@ -840,7 +840,7 @@
           <p:cNvPr id="4" name="日期占位符 3">
             <a:extLst>
               <a:ext uri="{FF2B5EF4-FFF2-40B4-BE49-F238E27FC236}">
-                <a16:creationId xmlns:a16="http://schemas.microsoft.com/office/drawing/2014/main" id="{C2153010-C0A2-1616-7379-7B042F6E56D1}"/>
+                <a16:creationId xmlns:a16="http://schemas.microsoft.com/office/drawing/2014/main" id="{CE3CEA32-D0F3-C008-32B6-123DB479DA08}"/>
               </a:ext>
             </a:extLst>
           </p:cNvPr>
@@ -856,7 +856,7 @@
           <a:bodyPr/>
           <a:lstStyle/>
           <a:p>
-            <a:fld id="{D11D04DE-3B78-4124-9B9A-63A08BBA7B45}" type="datetimeFigureOut">
+            <a:fld id="{F16FCB4B-097A-4C3F-BDB4-CE2E8AF3EA13}" type="datetimeFigureOut">
               <a:rPr lang="zh-CN" altLang="en-US" smtClean="0"/>
               <a:t>2024/3/10</a:t>
             </a:fld>
@@ -869,7 +869,7 @@
           <p:cNvPr id="5" name="页脚占位符 4">
             <a:extLst>
               <a:ext uri="{FF2B5EF4-FFF2-40B4-BE49-F238E27FC236}">
-                <a16:creationId xmlns:a16="http://schemas.microsoft.com/office/drawing/2014/main" id="{921C4A8E-C163-D398-94DB-0557913B26C1}"/>
+                <a16:creationId xmlns:a16="http://schemas.microsoft.com/office/drawing/2014/main" id="{1BFFBA6F-15CB-590B-C51D-C71F3D83EC98}"/>
               </a:ext>
             </a:extLst>
           </p:cNvPr>
@@ -894,7 +894,7 @@
           <p:cNvPr id="6" name="灯片编号占位符 5">
             <a:extLst>
               <a:ext uri="{FF2B5EF4-FFF2-40B4-BE49-F238E27FC236}">
-                <a16:creationId xmlns:a16="http://schemas.microsoft.com/office/drawing/2014/main" id="{A9C6EC39-4E64-13BC-A639-038D1CE652CB}"/>
+                <a16:creationId xmlns:a16="http://schemas.microsoft.com/office/drawing/2014/main" id="{E87B2490-C221-2105-6FCA-169CED7E952B}"/>
               </a:ext>
             </a:extLst>
           </p:cNvPr>
@@ -910,7 +910,7 @@
           <a:bodyPr/>
           <a:lstStyle/>
           <a:p>
-            <a:fld id="{643C47BA-8ED5-498A-9F0D-E81A97881E47}" type="slidenum">
+            <a:fld id="{797D00EF-4F1C-4795-83B3-83D03AAA4CA0}" type="slidenum">
               <a:rPr lang="zh-CN" altLang="en-US" smtClean="0"/>
               <a:t>‹#›</a:t>
             </a:fld>
@@ -921,7 +921,7 @@
     </p:spTree>
     <p:extLst>
       <p:ext uri="{BB962C8B-B14F-4D97-AF65-F5344CB8AC3E}">
-        <p14:creationId xmlns:p14="http://schemas.microsoft.com/office/powerpoint/2010/main" val="1640128541"/>
+        <p14:creationId xmlns:p14="http://schemas.microsoft.com/office/powerpoint/2010/main" val="2921818230"/>
       </p:ext>
     </p:extLst>
   </p:cSld>
@@ -953,7 +953,7 @@
           <p:cNvPr id="2" name="标题 1">
             <a:extLst>
               <a:ext uri="{FF2B5EF4-FFF2-40B4-BE49-F238E27FC236}">
-                <a16:creationId xmlns:a16="http://schemas.microsoft.com/office/drawing/2014/main" id="{3D549AB0-A4E2-3D0C-2E70-2F2AF2299F0A}"/>
+                <a16:creationId xmlns:a16="http://schemas.microsoft.com/office/drawing/2014/main" id="{0427B051-4C6F-D673-189A-D0602956AC43}"/>
               </a:ext>
             </a:extLst>
           </p:cNvPr>
@@ -990,7 +990,7 @@
           <p:cNvPr id="3" name="文本占位符 2">
             <a:extLst>
               <a:ext uri="{FF2B5EF4-FFF2-40B4-BE49-F238E27FC236}">
-                <a16:creationId xmlns:a16="http://schemas.microsoft.com/office/drawing/2014/main" id="{C1F03AB4-6974-CAF9-BB17-E4124A26E901}"/>
+                <a16:creationId xmlns:a16="http://schemas.microsoft.com/office/drawing/2014/main" id="{C2047F0A-4859-A9B2-4B69-D9BABCB43442}"/>
               </a:ext>
             </a:extLst>
           </p:cNvPr>
@@ -1115,7 +1115,7 @@
           <p:cNvPr id="4" name="日期占位符 3">
             <a:extLst>
               <a:ext uri="{FF2B5EF4-FFF2-40B4-BE49-F238E27FC236}">
-                <a16:creationId xmlns:a16="http://schemas.microsoft.com/office/drawing/2014/main" id="{AF06CC7E-79BE-888C-FCB6-4C15526E8C2A}"/>
+                <a16:creationId xmlns:a16="http://schemas.microsoft.com/office/drawing/2014/main" id="{76A3C2A2-09C3-65C7-5E68-30EE78E16C46}"/>
               </a:ext>
             </a:extLst>
           </p:cNvPr>
@@ -1131,7 +1131,7 @@
           <a:bodyPr/>
           <a:lstStyle/>
           <a:p>
-            <a:fld id="{D11D04DE-3B78-4124-9B9A-63A08BBA7B45}" type="datetimeFigureOut">
+            <a:fld id="{F16FCB4B-097A-4C3F-BDB4-CE2E8AF3EA13}" type="datetimeFigureOut">
               <a:rPr lang="zh-CN" altLang="en-US" smtClean="0"/>
               <a:t>2024/3/10</a:t>
             </a:fld>
@@ -1144,7 +1144,7 @@
           <p:cNvPr id="5" name="页脚占位符 4">
             <a:extLst>
               <a:ext uri="{FF2B5EF4-FFF2-40B4-BE49-F238E27FC236}">
-                <a16:creationId xmlns:a16="http://schemas.microsoft.com/office/drawing/2014/main" id="{96E6E20C-A56D-DFCB-C7A1-E093DDA2A6AD}"/>
+                <a16:creationId xmlns:a16="http://schemas.microsoft.com/office/drawing/2014/main" id="{D79E7F5C-232F-CC7D-099B-274CE9D029C6}"/>
               </a:ext>
             </a:extLst>
           </p:cNvPr>
@@ -1169,7 +1169,7 @@
           <p:cNvPr id="6" name="灯片编号占位符 5">
             <a:extLst>
               <a:ext uri="{FF2B5EF4-FFF2-40B4-BE49-F238E27FC236}">
-                <a16:creationId xmlns:a16="http://schemas.microsoft.com/office/drawing/2014/main" id="{05E2DF02-7D45-EEFD-7EDB-EA07C5094897}"/>
+                <a16:creationId xmlns:a16="http://schemas.microsoft.com/office/drawing/2014/main" id="{2CCBD78D-C5AA-7EBA-E103-B9EFAB5AD92D}"/>
               </a:ext>
             </a:extLst>
           </p:cNvPr>
@@ -1185,7 +1185,7 @@
           <a:bodyPr/>
           <a:lstStyle/>
           <a:p>
-            <a:fld id="{643C47BA-8ED5-498A-9F0D-E81A97881E47}" type="slidenum">
+            <a:fld id="{797D00EF-4F1C-4795-83B3-83D03AAA4CA0}" type="slidenum">
               <a:rPr lang="zh-CN" altLang="en-US" smtClean="0"/>
               <a:t>‹#›</a:t>
             </a:fld>
@@ -1196,7 +1196,7 @@
     </p:spTree>
     <p:extLst>
       <p:ext uri="{BB962C8B-B14F-4D97-AF65-F5344CB8AC3E}">
-        <p14:creationId xmlns:p14="http://schemas.microsoft.com/office/powerpoint/2010/main" val="2161746569"/>
+        <p14:creationId xmlns:p14="http://schemas.microsoft.com/office/powerpoint/2010/main" val="1231282494"/>
       </p:ext>
     </p:extLst>
   </p:cSld>
@@ -1228,7 +1228,7 @@
           <p:cNvPr id="2" name="标题 1">
             <a:extLst>
               <a:ext uri="{FF2B5EF4-FFF2-40B4-BE49-F238E27FC236}">
-                <a16:creationId xmlns:a16="http://schemas.microsoft.com/office/drawing/2014/main" id="{33C7AF79-2CAD-87BB-683A-57043CF14200}"/>
+                <a16:creationId xmlns:a16="http://schemas.microsoft.com/office/drawing/2014/main" id="{C149B7B2-C566-AE9D-83DE-E7292450F754}"/>
               </a:ext>
             </a:extLst>
           </p:cNvPr>
@@ -1256,7 +1256,7 @@
           <p:cNvPr id="3" name="内容占位符 2">
             <a:extLst>
               <a:ext uri="{FF2B5EF4-FFF2-40B4-BE49-F238E27FC236}">
-                <a16:creationId xmlns:a16="http://schemas.microsoft.com/office/drawing/2014/main" id="{72F5DF6E-1C52-140C-8B47-25A56C7D6C34}"/>
+                <a16:creationId xmlns:a16="http://schemas.microsoft.com/office/drawing/2014/main" id="{226A1EAF-06ED-950B-14CB-D7DF4052ADEC}"/>
               </a:ext>
             </a:extLst>
           </p:cNvPr>
@@ -1318,7 +1318,7 @@
           <p:cNvPr id="4" name="内容占位符 3">
             <a:extLst>
               <a:ext uri="{FF2B5EF4-FFF2-40B4-BE49-F238E27FC236}">
-                <a16:creationId xmlns:a16="http://schemas.microsoft.com/office/drawing/2014/main" id="{845C8A71-6F80-D423-ADF7-5DA811F060E6}"/>
+                <a16:creationId xmlns:a16="http://schemas.microsoft.com/office/drawing/2014/main" id="{49868C5B-1618-2CE2-FE2F-20BCE32B8138}"/>
               </a:ext>
             </a:extLst>
           </p:cNvPr>
@@ -1380,7 +1380,7 @@
           <p:cNvPr id="5" name="日期占位符 4">
             <a:extLst>
               <a:ext uri="{FF2B5EF4-FFF2-40B4-BE49-F238E27FC236}">
-                <a16:creationId xmlns:a16="http://schemas.microsoft.com/office/drawing/2014/main" id="{7A358527-3051-FA66-4900-E207E0E871CB}"/>
+                <a16:creationId xmlns:a16="http://schemas.microsoft.com/office/drawing/2014/main" id="{3316CCF0-4829-579D-6C0A-F8A482DFBF1A}"/>
               </a:ext>
             </a:extLst>
           </p:cNvPr>
@@ -1396,7 +1396,7 @@
           <a:bodyPr/>
           <a:lstStyle/>
           <a:p>
-            <a:fld id="{D11D04DE-3B78-4124-9B9A-63A08BBA7B45}" type="datetimeFigureOut">
+            <a:fld id="{F16FCB4B-097A-4C3F-BDB4-CE2E8AF3EA13}" type="datetimeFigureOut">
               <a:rPr lang="zh-CN" altLang="en-US" smtClean="0"/>
               <a:t>2024/3/10</a:t>
             </a:fld>
@@ -1409,7 +1409,7 @@
           <p:cNvPr id="6" name="页脚占位符 5">
             <a:extLst>
               <a:ext uri="{FF2B5EF4-FFF2-40B4-BE49-F238E27FC236}">
-                <a16:creationId xmlns:a16="http://schemas.microsoft.com/office/drawing/2014/main" id="{E7837430-2928-81F5-3317-5E09AB56F0F4}"/>
+                <a16:creationId xmlns:a16="http://schemas.microsoft.com/office/drawing/2014/main" id="{1CB6D412-16A9-1297-EBF4-0470958F1A07}"/>
               </a:ext>
             </a:extLst>
           </p:cNvPr>
@@ -1434,7 +1434,7 @@
           <p:cNvPr id="7" name="灯片编号占位符 6">
             <a:extLst>
               <a:ext uri="{FF2B5EF4-FFF2-40B4-BE49-F238E27FC236}">
-                <a16:creationId xmlns:a16="http://schemas.microsoft.com/office/drawing/2014/main" id="{5E1B2DF6-9FC0-1C73-D142-276500158D28}"/>
+                <a16:creationId xmlns:a16="http://schemas.microsoft.com/office/drawing/2014/main" id="{1EF7C61F-A80A-9AD7-9764-84CC5E56D8B5}"/>
               </a:ext>
             </a:extLst>
           </p:cNvPr>
@@ -1450,7 +1450,7 @@
           <a:bodyPr/>
           <a:lstStyle/>
           <a:p>
-            <a:fld id="{643C47BA-8ED5-498A-9F0D-E81A97881E47}" type="slidenum">
+            <a:fld id="{797D00EF-4F1C-4795-83B3-83D03AAA4CA0}" type="slidenum">
               <a:rPr lang="zh-CN" altLang="en-US" smtClean="0"/>
               <a:t>‹#›</a:t>
             </a:fld>
@@ -1461,7 +1461,7 @@
     </p:spTree>
     <p:extLst>
       <p:ext uri="{BB962C8B-B14F-4D97-AF65-F5344CB8AC3E}">
-        <p14:creationId xmlns:p14="http://schemas.microsoft.com/office/powerpoint/2010/main" val="1117648496"/>
+        <p14:creationId xmlns:p14="http://schemas.microsoft.com/office/powerpoint/2010/main" val="2047047600"/>
       </p:ext>
     </p:extLst>
   </p:cSld>
@@ -1493,7 +1493,7 @@
           <p:cNvPr id="2" name="标题 1">
             <a:extLst>
               <a:ext uri="{FF2B5EF4-FFF2-40B4-BE49-F238E27FC236}">
-                <a16:creationId xmlns:a16="http://schemas.microsoft.com/office/drawing/2014/main" id="{595E2521-4F08-3CA8-D187-29D746907A08}"/>
+                <a16:creationId xmlns:a16="http://schemas.microsoft.com/office/drawing/2014/main" id="{16621E01-7EA3-D1D4-1B10-B6EC90D49137}"/>
               </a:ext>
             </a:extLst>
           </p:cNvPr>
@@ -1526,7 +1526,7 @@
           <p:cNvPr id="3" name="文本占位符 2">
             <a:extLst>
               <a:ext uri="{FF2B5EF4-FFF2-40B4-BE49-F238E27FC236}">
-                <a16:creationId xmlns:a16="http://schemas.microsoft.com/office/drawing/2014/main" id="{4EF1601A-5BBA-05C7-1A41-44BCBB0C1E9E}"/>
+                <a16:creationId xmlns:a16="http://schemas.microsoft.com/office/drawing/2014/main" id="{BA11A225-C39D-D906-22B3-4CF4F048C5DC}"/>
               </a:ext>
             </a:extLst>
           </p:cNvPr>
@@ -1597,7 +1597,7 @@
           <p:cNvPr id="4" name="内容占位符 3">
             <a:extLst>
               <a:ext uri="{FF2B5EF4-FFF2-40B4-BE49-F238E27FC236}">
-                <a16:creationId xmlns:a16="http://schemas.microsoft.com/office/drawing/2014/main" id="{449B8077-776D-2C43-0197-196694DADE32}"/>
+                <a16:creationId xmlns:a16="http://schemas.microsoft.com/office/drawing/2014/main" id="{CACADFD5-B667-B696-5023-F3CDAD9624BE}"/>
               </a:ext>
             </a:extLst>
           </p:cNvPr>
@@ -1659,7 +1659,7 @@
           <p:cNvPr id="5" name="文本占位符 4">
             <a:extLst>
               <a:ext uri="{FF2B5EF4-FFF2-40B4-BE49-F238E27FC236}">
-                <a16:creationId xmlns:a16="http://schemas.microsoft.com/office/drawing/2014/main" id="{45683EC8-B434-8936-1A40-580F0CC0DD07}"/>
+                <a16:creationId xmlns:a16="http://schemas.microsoft.com/office/drawing/2014/main" id="{A70CD4F1-F97B-FA99-9B2D-F4B7D2B2E91B}"/>
               </a:ext>
             </a:extLst>
           </p:cNvPr>
@@ -1730,7 +1730,7 @@
           <p:cNvPr id="6" name="内容占位符 5">
             <a:extLst>
               <a:ext uri="{FF2B5EF4-FFF2-40B4-BE49-F238E27FC236}">
-                <a16:creationId xmlns:a16="http://schemas.microsoft.com/office/drawing/2014/main" id="{DC442137-3366-11A4-B31E-15189BA88341}"/>
+                <a16:creationId xmlns:a16="http://schemas.microsoft.com/office/drawing/2014/main" id="{68661649-8425-4B5B-A5DA-D3D2FB3AC781}"/>
               </a:ext>
             </a:extLst>
           </p:cNvPr>
@@ -1792,7 +1792,7 @@
           <p:cNvPr id="7" name="日期占位符 6">
             <a:extLst>
               <a:ext uri="{FF2B5EF4-FFF2-40B4-BE49-F238E27FC236}">
-                <a16:creationId xmlns:a16="http://schemas.microsoft.com/office/drawing/2014/main" id="{B965B0EA-5EB0-7E02-F55B-2CD5338B658D}"/>
+                <a16:creationId xmlns:a16="http://schemas.microsoft.com/office/drawing/2014/main" id="{2E55F2A8-2BFF-6CC7-C7C4-46E572205E4C}"/>
               </a:ext>
             </a:extLst>
           </p:cNvPr>
@@ -1808,7 +1808,7 @@
           <a:bodyPr/>
           <a:lstStyle/>
           <a:p>
-            <a:fld id="{D11D04DE-3B78-4124-9B9A-63A08BBA7B45}" type="datetimeFigureOut">
+            <a:fld id="{F16FCB4B-097A-4C3F-BDB4-CE2E8AF3EA13}" type="datetimeFigureOut">
               <a:rPr lang="zh-CN" altLang="en-US" smtClean="0"/>
               <a:t>2024/3/10</a:t>
             </a:fld>
@@ -1821,7 +1821,7 @@
           <p:cNvPr id="8" name="页脚占位符 7">
             <a:extLst>
               <a:ext uri="{FF2B5EF4-FFF2-40B4-BE49-F238E27FC236}">
-                <a16:creationId xmlns:a16="http://schemas.microsoft.com/office/drawing/2014/main" id="{5ABD5E7D-0C79-2B64-1261-7ABE79CFC388}"/>
+                <a16:creationId xmlns:a16="http://schemas.microsoft.com/office/drawing/2014/main" id="{8C94E596-7BB2-8F1B-6AE8-21119682BB97}"/>
               </a:ext>
             </a:extLst>
           </p:cNvPr>
@@ -1846,7 +1846,7 @@
           <p:cNvPr id="9" name="灯片编号占位符 8">
             <a:extLst>
               <a:ext uri="{FF2B5EF4-FFF2-40B4-BE49-F238E27FC236}">
-                <a16:creationId xmlns:a16="http://schemas.microsoft.com/office/drawing/2014/main" id="{1F7C57F1-D7E9-7E9B-D251-907D905B43D5}"/>
+                <a16:creationId xmlns:a16="http://schemas.microsoft.com/office/drawing/2014/main" id="{88F3B367-D34B-E58B-1067-C4A3D831A46C}"/>
               </a:ext>
             </a:extLst>
           </p:cNvPr>
@@ -1862,7 +1862,7 @@
           <a:bodyPr/>
           <a:lstStyle/>
           <a:p>
-            <a:fld id="{643C47BA-8ED5-498A-9F0D-E81A97881E47}" type="slidenum">
+            <a:fld id="{797D00EF-4F1C-4795-83B3-83D03AAA4CA0}" type="slidenum">
               <a:rPr lang="zh-CN" altLang="en-US" smtClean="0"/>
               <a:t>‹#›</a:t>
             </a:fld>
@@ -1873,7 +1873,7 @@
     </p:spTree>
     <p:extLst>
       <p:ext uri="{BB962C8B-B14F-4D97-AF65-F5344CB8AC3E}">
-        <p14:creationId xmlns:p14="http://schemas.microsoft.com/office/powerpoint/2010/main" val="1418071598"/>
+        <p14:creationId xmlns:p14="http://schemas.microsoft.com/office/powerpoint/2010/main" val="3462537875"/>
       </p:ext>
     </p:extLst>
   </p:cSld>
@@ -1905,7 +1905,7 @@
           <p:cNvPr id="2" name="标题 1">
             <a:extLst>
               <a:ext uri="{FF2B5EF4-FFF2-40B4-BE49-F238E27FC236}">
-                <a16:creationId xmlns:a16="http://schemas.microsoft.com/office/drawing/2014/main" id="{DAC7C45C-065A-D6C5-2697-66AF6583B476}"/>
+                <a16:creationId xmlns:a16="http://schemas.microsoft.com/office/drawing/2014/main" id="{D8DE4390-C1C2-4A29-A351-CC6A34A41154}"/>
               </a:ext>
             </a:extLst>
           </p:cNvPr>
@@ -1933,7 +1933,7 @@
           <p:cNvPr id="3" name="日期占位符 2">
             <a:extLst>
               <a:ext uri="{FF2B5EF4-FFF2-40B4-BE49-F238E27FC236}">
-                <a16:creationId xmlns:a16="http://schemas.microsoft.com/office/drawing/2014/main" id="{2437DBE0-1413-D1FE-7F02-D1D8550A65D3}"/>
+                <a16:creationId xmlns:a16="http://schemas.microsoft.com/office/drawing/2014/main" id="{39397B40-BF7A-D4E6-5393-DD3B4BBBB675}"/>
               </a:ext>
             </a:extLst>
           </p:cNvPr>
@@ -1949,7 +1949,7 @@
           <a:bodyPr/>
           <a:lstStyle/>
           <a:p>
-            <a:fld id="{D11D04DE-3B78-4124-9B9A-63A08BBA7B45}" type="datetimeFigureOut">
+            <a:fld id="{F16FCB4B-097A-4C3F-BDB4-CE2E8AF3EA13}" type="datetimeFigureOut">
               <a:rPr lang="zh-CN" altLang="en-US" smtClean="0"/>
               <a:t>2024/3/10</a:t>
             </a:fld>
@@ -1962,7 +1962,7 @@
           <p:cNvPr id="4" name="页脚占位符 3">
             <a:extLst>
               <a:ext uri="{FF2B5EF4-FFF2-40B4-BE49-F238E27FC236}">
-                <a16:creationId xmlns:a16="http://schemas.microsoft.com/office/drawing/2014/main" id="{96F72B2E-3B1C-66C5-B498-6AE9D2ECA1BA}"/>
+                <a16:creationId xmlns:a16="http://schemas.microsoft.com/office/drawing/2014/main" id="{7A7D3A41-09D2-04BE-C011-20DEB6D7E18C}"/>
               </a:ext>
             </a:extLst>
           </p:cNvPr>
@@ -1987,7 +1987,7 @@
           <p:cNvPr id="5" name="灯片编号占位符 4">
             <a:extLst>
               <a:ext uri="{FF2B5EF4-FFF2-40B4-BE49-F238E27FC236}">
-                <a16:creationId xmlns:a16="http://schemas.microsoft.com/office/drawing/2014/main" id="{5BBCB283-6764-224F-801B-2A4BDA04F8AC}"/>
+                <a16:creationId xmlns:a16="http://schemas.microsoft.com/office/drawing/2014/main" id="{DDAADCF8-AB60-5767-9A13-9F2E43BAFFF8}"/>
               </a:ext>
             </a:extLst>
           </p:cNvPr>
@@ -2003,7 +2003,7 @@
           <a:bodyPr/>
           <a:lstStyle/>
           <a:p>
-            <a:fld id="{643C47BA-8ED5-498A-9F0D-E81A97881E47}" type="slidenum">
+            <a:fld id="{797D00EF-4F1C-4795-83B3-83D03AAA4CA0}" type="slidenum">
               <a:rPr lang="zh-CN" altLang="en-US" smtClean="0"/>
               <a:t>‹#›</a:t>
             </a:fld>
@@ -2014,7 +2014,7 @@
     </p:spTree>
     <p:extLst>
       <p:ext uri="{BB962C8B-B14F-4D97-AF65-F5344CB8AC3E}">
-        <p14:creationId xmlns:p14="http://schemas.microsoft.com/office/powerpoint/2010/main" val="2667506860"/>
+        <p14:creationId xmlns:p14="http://schemas.microsoft.com/office/powerpoint/2010/main" val="2935634065"/>
       </p:ext>
     </p:extLst>
   </p:cSld>
@@ -2046,7 +2046,7 @@
           <p:cNvPr id="2" name="日期占位符 1">
             <a:extLst>
               <a:ext uri="{FF2B5EF4-FFF2-40B4-BE49-F238E27FC236}">
-                <a16:creationId xmlns:a16="http://schemas.microsoft.com/office/drawing/2014/main" id="{9D663342-3FB8-F71D-4403-A48A613125B3}"/>
+                <a16:creationId xmlns:a16="http://schemas.microsoft.com/office/drawing/2014/main" id="{4FB82784-D023-978C-4AB9-9086B975B1BC}"/>
               </a:ext>
             </a:extLst>
           </p:cNvPr>
@@ -2062,7 +2062,7 @@
           <a:bodyPr/>
           <a:lstStyle/>
           <a:p>
-            <a:fld id="{D11D04DE-3B78-4124-9B9A-63A08BBA7B45}" type="datetimeFigureOut">
+            <a:fld id="{F16FCB4B-097A-4C3F-BDB4-CE2E8AF3EA13}" type="datetimeFigureOut">
               <a:rPr lang="zh-CN" altLang="en-US" smtClean="0"/>
               <a:t>2024/3/10</a:t>
             </a:fld>
@@ -2075,7 +2075,7 @@
           <p:cNvPr id="3" name="页脚占位符 2">
             <a:extLst>
               <a:ext uri="{FF2B5EF4-FFF2-40B4-BE49-F238E27FC236}">
-                <a16:creationId xmlns:a16="http://schemas.microsoft.com/office/drawing/2014/main" id="{B337BA7F-AE9E-CE59-A418-DBDD55E59D90}"/>
+                <a16:creationId xmlns:a16="http://schemas.microsoft.com/office/drawing/2014/main" id="{EE4EA7F0-297C-1F32-E49A-F8DCA9CA5BF9}"/>
               </a:ext>
             </a:extLst>
           </p:cNvPr>
@@ -2100,7 +2100,7 @@
           <p:cNvPr id="4" name="灯片编号占位符 3">
             <a:extLst>
               <a:ext uri="{FF2B5EF4-FFF2-40B4-BE49-F238E27FC236}">
-                <a16:creationId xmlns:a16="http://schemas.microsoft.com/office/drawing/2014/main" id="{AA82BA45-939B-C95D-69B6-53BF509DD30D}"/>
+                <a16:creationId xmlns:a16="http://schemas.microsoft.com/office/drawing/2014/main" id="{7536A523-6278-47FC-4492-A60DE0076F77}"/>
               </a:ext>
             </a:extLst>
           </p:cNvPr>
@@ -2116,7 +2116,7 @@
           <a:bodyPr/>
           <a:lstStyle/>
           <a:p>
-            <a:fld id="{643C47BA-8ED5-498A-9F0D-E81A97881E47}" type="slidenum">
+            <a:fld id="{797D00EF-4F1C-4795-83B3-83D03AAA4CA0}" type="slidenum">
               <a:rPr lang="zh-CN" altLang="en-US" smtClean="0"/>
               <a:t>‹#›</a:t>
             </a:fld>
@@ -2127,7 +2127,7 @@
     </p:spTree>
     <p:extLst>
       <p:ext uri="{BB962C8B-B14F-4D97-AF65-F5344CB8AC3E}">
-        <p14:creationId xmlns:p14="http://schemas.microsoft.com/office/powerpoint/2010/main" val="602298139"/>
+        <p14:creationId xmlns:p14="http://schemas.microsoft.com/office/powerpoint/2010/main" val="140254102"/>
       </p:ext>
     </p:extLst>
   </p:cSld>
@@ -2159,7 +2159,7 @@
           <p:cNvPr id="2" name="标题 1">
             <a:extLst>
               <a:ext uri="{FF2B5EF4-FFF2-40B4-BE49-F238E27FC236}">
-                <a16:creationId xmlns:a16="http://schemas.microsoft.com/office/drawing/2014/main" id="{94F78653-8853-5FA8-6E00-35E0F6999C6A}"/>
+                <a16:creationId xmlns:a16="http://schemas.microsoft.com/office/drawing/2014/main" id="{854CC064-FE44-8BF0-F0BA-8F169B481A55}"/>
               </a:ext>
             </a:extLst>
           </p:cNvPr>
@@ -2196,7 +2196,7 @@
           <p:cNvPr id="3" name="内容占位符 2">
             <a:extLst>
               <a:ext uri="{FF2B5EF4-FFF2-40B4-BE49-F238E27FC236}">
-                <a16:creationId xmlns:a16="http://schemas.microsoft.com/office/drawing/2014/main" id="{70279BC0-4FDB-5490-ABD4-5A77963A4881}"/>
+                <a16:creationId xmlns:a16="http://schemas.microsoft.com/office/drawing/2014/main" id="{431C485D-8E74-B53F-0429-AA23130C4436}"/>
               </a:ext>
             </a:extLst>
           </p:cNvPr>
@@ -2286,7 +2286,7 @@
           <p:cNvPr id="4" name="文本占位符 3">
             <a:extLst>
               <a:ext uri="{FF2B5EF4-FFF2-40B4-BE49-F238E27FC236}">
-                <a16:creationId xmlns:a16="http://schemas.microsoft.com/office/drawing/2014/main" id="{30923ED2-1B15-8162-62E0-64C58E15F084}"/>
+                <a16:creationId xmlns:a16="http://schemas.microsoft.com/office/drawing/2014/main" id="{36961E4E-7A58-3286-59FB-D9931AEE3CBB}"/>
               </a:ext>
             </a:extLst>
           </p:cNvPr>
@@ -2357,7 +2357,7 @@
           <p:cNvPr id="5" name="日期占位符 4">
             <a:extLst>
               <a:ext uri="{FF2B5EF4-FFF2-40B4-BE49-F238E27FC236}">
-                <a16:creationId xmlns:a16="http://schemas.microsoft.com/office/drawing/2014/main" id="{6E11F530-F8D7-8C3A-F368-A2856D25C7A5}"/>
+                <a16:creationId xmlns:a16="http://schemas.microsoft.com/office/drawing/2014/main" id="{EDDD1DF6-BB26-3F27-8F16-371435B01E88}"/>
               </a:ext>
             </a:extLst>
           </p:cNvPr>
@@ -2373,7 +2373,7 @@
           <a:bodyPr/>
           <a:lstStyle/>
           <a:p>
-            <a:fld id="{D11D04DE-3B78-4124-9B9A-63A08BBA7B45}" type="datetimeFigureOut">
+            <a:fld id="{F16FCB4B-097A-4C3F-BDB4-CE2E8AF3EA13}" type="datetimeFigureOut">
               <a:rPr lang="zh-CN" altLang="en-US" smtClean="0"/>
               <a:t>2024/3/10</a:t>
             </a:fld>
@@ -2386,7 +2386,7 @@
           <p:cNvPr id="6" name="页脚占位符 5">
             <a:extLst>
               <a:ext uri="{FF2B5EF4-FFF2-40B4-BE49-F238E27FC236}">
-                <a16:creationId xmlns:a16="http://schemas.microsoft.com/office/drawing/2014/main" id="{11BAD9C0-B891-2782-E0D6-CB20CC5515A8}"/>
+                <a16:creationId xmlns:a16="http://schemas.microsoft.com/office/drawing/2014/main" id="{C399AC0E-FC80-320B-1245-EDC385555876}"/>
               </a:ext>
             </a:extLst>
           </p:cNvPr>
@@ -2411,7 +2411,7 @@
           <p:cNvPr id="7" name="灯片编号占位符 6">
             <a:extLst>
               <a:ext uri="{FF2B5EF4-FFF2-40B4-BE49-F238E27FC236}">
-                <a16:creationId xmlns:a16="http://schemas.microsoft.com/office/drawing/2014/main" id="{3BDCB094-878B-A7D5-53DC-34C4AC2CC8ED}"/>
+                <a16:creationId xmlns:a16="http://schemas.microsoft.com/office/drawing/2014/main" id="{DAD0DAA6-81B1-1EBF-EAD7-907431DBE6DC}"/>
               </a:ext>
             </a:extLst>
           </p:cNvPr>
@@ -2427,7 +2427,7 @@
           <a:bodyPr/>
           <a:lstStyle/>
           <a:p>
-            <a:fld id="{643C47BA-8ED5-498A-9F0D-E81A97881E47}" type="slidenum">
+            <a:fld id="{797D00EF-4F1C-4795-83B3-83D03AAA4CA0}" type="slidenum">
               <a:rPr lang="zh-CN" altLang="en-US" smtClean="0"/>
               <a:t>‹#›</a:t>
             </a:fld>
@@ -2438,7 +2438,7 @@
     </p:spTree>
     <p:extLst>
       <p:ext uri="{BB962C8B-B14F-4D97-AF65-F5344CB8AC3E}">
-        <p14:creationId xmlns:p14="http://schemas.microsoft.com/office/powerpoint/2010/main" val="601482200"/>
+        <p14:creationId xmlns:p14="http://schemas.microsoft.com/office/powerpoint/2010/main" val="1843477556"/>
       </p:ext>
     </p:extLst>
   </p:cSld>
@@ -2470,7 +2470,7 @@
           <p:cNvPr id="2" name="标题 1">
             <a:extLst>
               <a:ext uri="{FF2B5EF4-FFF2-40B4-BE49-F238E27FC236}">
-                <a16:creationId xmlns:a16="http://schemas.microsoft.com/office/drawing/2014/main" id="{3F66A2E6-4A74-A933-CEA5-A5C932F7BA91}"/>
+                <a16:creationId xmlns:a16="http://schemas.microsoft.com/office/drawing/2014/main" id="{DA170E28-F230-3DD7-7B23-CF302F9E20F3}"/>
               </a:ext>
             </a:extLst>
           </p:cNvPr>
@@ -2507,7 +2507,7 @@
           <p:cNvPr id="3" name="图片占位符 2">
             <a:extLst>
               <a:ext uri="{FF2B5EF4-FFF2-40B4-BE49-F238E27FC236}">
-                <a16:creationId xmlns:a16="http://schemas.microsoft.com/office/drawing/2014/main" id="{1689CDF5-315C-B677-DEC4-8A8D6B20EDD2}"/>
+                <a16:creationId xmlns:a16="http://schemas.microsoft.com/office/drawing/2014/main" id="{9359C985-D262-D574-55A7-2F484DA1EE4A}"/>
               </a:ext>
             </a:extLst>
           </p:cNvPr>
@@ -2574,7 +2574,7 @@
           <p:cNvPr id="4" name="文本占位符 3">
             <a:extLst>
               <a:ext uri="{FF2B5EF4-FFF2-40B4-BE49-F238E27FC236}">
-                <a16:creationId xmlns:a16="http://schemas.microsoft.com/office/drawing/2014/main" id="{59218483-5D09-532A-815B-83F5A083D863}"/>
+                <a16:creationId xmlns:a16="http://schemas.microsoft.com/office/drawing/2014/main" id="{2E33A2F4-F3B6-3E8E-4656-574F1607A148}"/>
               </a:ext>
             </a:extLst>
           </p:cNvPr>
@@ -2645,7 +2645,7 @@
           <p:cNvPr id="5" name="日期占位符 4">
             <a:extLst>
               <a:ext uri="{FF2B5EF4-FFF2-40B4-BE49-F238E27FC236}">
-                <a16:creationId xmlns:a16="http://schemas.microsoft.com/office/drawing/2014/main" id="{81DA769F-37B1-5F40-8EF7-99D087D0DB16}"/>
+                <a16:creationId xmlns:a16="http://schemas.microsoft.com/office/drawing/2014/main" id="{09BD97E3-4C54-B2A9-76C2-0AFC514FD67C}"/>
               </a:ext>
             </a:extLst>
           </p:cNvPr>
@@ -2661,7 +2661,7 @@
           <a:bodyPr/>
           <a:lstStyle/>
           <a:p>
-            <a:fld id="{D11D04DE-3B78-4124-9B9A-63A08BBA7B45}" type="datetimeFigureOut">
+            <a:fld id="{F16FCB4B-097A-4C3F-BDB4-CE2E8AF3EA13}" type="datetimeFigureOut">
               <a:rPr lang="zh-CN" altLang="en-US" smtClean="0"/>
               <a:t>2024/3/10</a:t>
             </a:fld>
@@ -2674,7 +2674,7 @@
           <p:cNvPr id="6" name="页脚占位符 5">
             <a:extLst>
               <a:ext uri="{FF2B5EF4-FFF2-40B4-BE49-F238E27FC236}">
-                <a16:creationId xmlns:a16="http://schemas.microsoft.com/office/drawing/2014/main" id="{8229791D-676F-125D-8DC3-61F55D55E8E2}"/>
+                <a16:creationId xmlns:a16="http://schemas.microsoft.com/office/drawing/2014/main" id="{63445884-F345-994A-BB1E-24F6EF385863}"/>
               </a:ext>
             </a:extLst>
           </p:cNvPr>
@@ -2699,7 +2699,7 @@
           <p:cNvPr id="7" name="灯片编号占位符 6">
             <a:extLst>
               <a:ext uri="{FF2B5EF4-FFF2-40B4-BE49-F238E27FC236}">
-                <a16:creationId xmlns:a16="http://schemas.microsoft.com/office/drawing/2014/main" id="{1E6F5B7B-7940-F3A1-E92A-EC6F135D3D80}"/>
+                <a16:creationId xmlns:a16="http://schemas.microsoft.com/office/drawing/2014/main" id="{607A6E78-CC4C-977F-5F8C-0CDAEE041F3F}"/>
               </a:ext>
             </a:extLst>
           </p:cNvPr>
@@ -2715,7 +2715,7 @@
           <a:bodyPr/>
           <a:lstStyle/>
           <a:p>
-            <a:fld id="{643C47BA-8ED5-498A-9F0D-E81A97881E47}" type="slidenum">
+            <a:fld id="{797D00EF-4F1C-4795-83B3-83D03AAA4CA0}" type="slidenum">
               <a:rPr lang="zh-CN" altLang="en-US" smtClean="0"/>
               <a:t>‹#›</a:t>
             </a:fld>
@@ -2726,7 +2726,7 @@
     </p:spTree>
     <p:extLst>
       <p:ext uri="{BB962C8B-B14F-4D97-AF65-F5344CB8AC3E}">
-        <p14:creationId xmlns:p14="http://schemas.microsoft.com/office/powerpoint/2010/main" val="3833689624"/>
+        <p14:creationId xmlns:p14="http://schemas.microsoft.com/office/powerpoint/2010/main" val="2613075078"/>
       </p:ext>
     </p:extLst>
   </p:cSld>
@@ -2763,7 +2763,7 @@
           <p:cNvPr id="2" name="标题占位符 1">
             <a:extLst>
               <a:ext uri="{FF2B5EF4-FFF2-40B4-BE49-F238E27FC236}">
-                <a16:creationId xmlns:a16="http://schemas.microsoft.com/office/drawing/2014/main" id="{75F40287-F146-2877-A7F5-495C477C410B}"/>
+                <a16:creationId xmlns:a16="http://schemas.microsoft.com/office/drawing/2014/main" id="{89116304-E46B-A38D-8D79-2B32FBCBBCD4}"/>
               </a:ext>
             </a:extLst>
           </p:cNvPr>
@@ -2801,7 +2801,7 @@
           <p:cNvPr id="3" name="文本占位符 2">
             <a:extLst>
               <a:ext uri="{FF2B5EF4-FFF2-40B4-BE49-F238E27FC236}">
-                <a16:creationId xmlns:a16="http://schemas.microsoft.com/office/drawing/2014/main" id="{5256CE1C-CDCB-50C2-4258-44925B3E2292}"/>
+                <a16:creationId xmlns:a16="http://schemas.microsoft.com/office/drawing/2014/main" id="{FE5BB834-A97A-B072-71B6-16384DAB19EC}"/>
               </a:ext>
             </a:extLst>
           </p:cNvPr>
@@ -2868,7 +2868,7 @@
           <p:cNvPr id="4" name="日期占位符 3">
             <a:extLst>
               <a:ext uri="{FF2B5EF4-FFF2-40B4-BE49-F238E27FC236}">
-                <a16:creationId xmlns:a16="http://schemas.microsoft.com/office/drawing/2014/main" id="{C5A26300-A606-B631-AA1A-B020F3F792C9}"/>
+                <a16:creationId xmlns:a16="http://schemas.microsoft.com/office/drawing/2014/main" id="{A772867C-FA29-36A5-DEBC-0649AC163A26}"/>
               </a:ext>
             </a:extLst>
           </p:cNvPr>
@@ -2902,7 +2902,7 @@
             </a:lvl1pPr>
           </a:lstStyle>
           <a:p>
-            <a:fld id="{D11D04DE-3B78-4124-9B9A-63A08BBA7B45}" type="datetimeFigureOut">
+            <a:fld id="{F16FCB4B-097A-4C3F-BDB4-CE2E8AF3EA13}" type="datetimeFigureOut">
               <a:rPr lang="zh-CN" altLang="en-US" smtClean="0"/>
               <a:t>2024/3/10</a:t>
             </a:fld>
@@ -2915,7 +2915,7 @@
           <p:cNvPr id="5" name="页脚占位符 4">
             <a:extLst>
               <a:ext uri="{FF2B5EF4-FFF2-40B4-BE49-F238E27FC236}">
-                <a16:creationId xmlns:a16="http://schemas.microsoft.com/office/drawing/2014/main" id="{07946AD1-3A83-74A4-1BB5-2D4018370830}"/>
+                <a16:creationId xmlns:a16="http://schemas.microsoft.com/office/drawing/2014/main" id="{79418C8C-0B97-B933-3DBB-F34D40D7F099}"/>
               </a:ext>
             </a:extLst>
           </p:cNvPr>
@@ -2958,7 +2958,7 @@
           <p:cNvPr id="6" name="灯片编号占位符 5">
             <a:extLst>
               <a:ext uri="{FF2B5EF4-FFF2-40B4-BE49-F238E27FC236}">
-                <a16:creationId xmlns:a16="http://schemas.microsoft.com/office/drawing/2014/main" id="{721AC5BD-5D56-AC82-ACE9-DCA34CB38DBF}"/>
+                <a16:creationId xmlns:a16="http://schemas.microsoft.com/office/drawing/2014/main" id="{906708A7-2B38-A22E-4A3A-DFA5D5621D57}"/>
               </a:ext>
             </a:extLst>
           </p:cNvPr>
@@ -2992,7 +2992,7 @@
             </a:lvl1pPr>
           </a:lstStyle>
           <a:p>
-            <a:fld id="{643C47BA-8ED5-498A-9F0D-E81A97881E47}" type="slidenum">
+            <a:fld id="{797D00EF-4F1C-4795-83B3-83D03AAA4CA0}" type="slidenum">
               <a:rPr lang="zh-CN" altLang="en-US" smtClean="0"/>
               <a:t>‹#›</a:t>
             </a:fld>
@@ -3003,7 +3003,7 @@
     </p:spTree>
     <p:extLst>
       <p:ext uri="{BB962C8B-B14F-4D97-AF65-F5344CB8AC3E}">
-        <p14:creationId xmlns:p14="http://schemas.microsoft.com/office/powerpoint/2010/main" val="1425312514"/>
+        <p14:creationId xmlns:p14="http://schemas.microsoft.com/office/powerpoint/2010/main" val="2206091557"/>
       </p:ext>
     </p:extLst>
   </p:cSld>
@@ -3323,7 +3323,7 @@
       </p:grpSpPr>
       <p:pic>
         <p:nvPicPr>
-          <p:cNvPr id="677890" name="Picture 2" descr="661"/>
+          <p:cNvPr id="678914" name="Picture 2" descr="662"/>
           <p:cNvPicPr>
             <a:picLocks noChangeAspect="1" noChangeArrowheads="1"/>
           </p:cNvPicPr>
@@ -3345,7 +3345,7 @@
         <p:spPr bwMode="auto">
           <a:xfrm>
             <a:off x="1524000" y="0"/>
-            <a:ext cx="9144000" cy="6859588"/>
+            <a:ext cx="9144000" cy="5589588"/>
           </a:xfrm>
           <a:prstGeom prst="rect">
             <a:avLst/>
